--- a/Docs/Proposal.pptx
+++ b/Docs/Proposal.pptx
@@ -5,7 +5,7 @@
     <p:sldMasterId id="2147483660" r:id="rId1"/>
   </p:sldMasterIdLst>
   <p:notesMasterIdLst>
-    <p:notesMasterId r:id="rId21"/>
+    <p:notesMasterId r:id="rId25"/>
   </p:notesMasterIdLst>
   <p:sldIdLst>
     <p:sldId id="256" r:id="rId2"/>
@@ -27,6 +27,10 @@
     <p:sldId id="270" r:id="rId18"/>
     <p:sldId id="272" r:id="rId19"/>
     <p:sldId id="261" r:id="rId20"/>
+    <p:sldId id="278" r:id="rId21"/>
+    <p:sldId id="279" r:id="rId22"/>
+    <p:sldId id="280" r:id="rId23"/>
+    <p:sldId id="281" r:id="rId24"/>
   </p:sldIdLst>
   <p:sldSz cx="9144000" cy="6858000" type="screen4x3"/>
   <p:notesSz cx="6858000" cy="9144000"/>
@@ -2864,8 +2868,8 @@
         </p:nvSpPr>
         <p:spPr>
           <a:xfrm>
-            <a:off x="268941" y="903642"/>
-            <a:ext cx="6303981" cy="5459058"/>
+            <a:off x="355002" y="86060"/>
+            <a:ext cx="6626711" cy="5673015"/>
           </a:xfrm>
           <a:prstGeom prst="rect">
             <a:avLst/>
@@ -2923,7 +2927,7 @@
         </p:blipFill>
         <p:spPr>
           <a:xfrm>
-            <a:off x="522792" y="1130300"/>
+            <a:off x="684157" y="312719"/>
             <a:ext cx="2870200" cy="2298700"/>
           </a:xfrm>
           <a:prstGeom prst="rect">
@@ -2953,7 +2957,7 @@
         </p:blipFill>
         <p:spPr>
           <a:xfrm>
-            <a:off x="3696300" y="1130300"/>
+            <a:off x="3857665" y="312719"/>
             <a:ext cx="2870200" cy="2298700"/>
           </a:xfrm>
           <a:prstGeom prst="rect">
@@ -2975,7 +2979,7 @@
         </p:nvSpPr>
         <p:spPr>
           <a:xfrm>
-            <a:off x="516363" y="1054250"/>
+            <a:off x="677728" y="236669"/>
             <a:ext cx="304892" cy="307777"/>
           </a:xfrm>
           <a:prstGeom prst="rect">
@@ -3013,7 +3017,7 @@
         </p:nvSpPr>
         <p:spPr>
           <a:xfrm>
-            <a:off x="3644992" y="1054249"/>
+            <a:off x="3806357" y="236668"/>
             <a:ext cx="304892" cy="307777"/>
           </a:xfrm>
           <a:prstGeom prst="rect">
@@ -3059,7 +3063,7 @@
         </p:blipFill>
         <p:spPr>
           <a:xfrm>
-            <a:off x="584951" y="3388957"/>
+            <a:off x="746316" y="2571376"/>
             <a:ext cx="5994400" cy="3187700"/>
           </a:xfrm>
           <a:prstGeom prst="rect">
@@ -3067,6 +3071,44 @@
           </a:prstGeom>
         </p:spPr>
       </p:pic>
+      <p:sp>
+        <p:nvSpPr>
+          <p:cNvPr id="20" name="TextBox 19">
+            <a:extLst>
+              <a:ext uri="{FF2B5EF4-FFF2-40B4-BE49-F238E27FC236}">
+                <a16:creationId xmlns:a16="http://schemas.microsoft.com/office/drawing/2014/main" id="{76987929-A7DA-EB4F-BBF2-C452F43441A3}"/>
+              </a:ext>
+            </a:extLst>
+          </p:cNvPr>
+          <p:cNvSpPr txBox="1"/>
+          <p:nvPr/>
+        </p:nvSpPr>
+        <p:spPr>
+          <a:xfrm>
+            <a:off x="677728" y="2391199"/>
+            <a:ext cx="314510" cy="307777"/>
+          </a:xfrm>
+          <a:prstGeom prst="rect">
+            <a:avLst/>
+          </a:prstGeom>
+          <a:noFill/>
+        </p:spPr>
+        <p:txBody>
+          <a:bodyPr wrap="none" rtlCol="0">
+            <a:spAutoFit/>
+          </a:bodyPr>
+          <a:lstStyle/>
+          <a:p>
+            <a:r>
+              <a:rPr lang="en-US" sz="1400" dirty="0">
+                <a:latin typeface="Arial" panose="020B0604020202020204" pitchFamily="34" charset="0"/>
+                <a:cs typeface="Arial" panose="020B0604020202020204" pitchFamily="34" charset="0"/>
+              </a:rPr>
+              <a:t>C</a:t>
+            </a:r>
+          </a:p>
+        </p:txBody>
+      </p:sp>
     </p:spTree>
     <p:extLst>
       <p:ext uri="{BB962C8B-B14F-4D97-AF65-F5344CB8AC3E}">
@@ -5080,6 +5122,1165 @@
     <p:extLst>
       <p:ext uri="{BB962C8B-B14F-4D97-AF65-F5344CB8AC3E}">
         <p14:creationId xmlns:p14="http://schemas.microsoft.com/office/powerpoint/2010/main" val="1866601840"/>
+      </p:ext>
+    </p:extLst>
+  </p:cSld>
+  <p:clrMapOvr>
+    <a:masterClrMapping/>
+  </p:clrMapOvr>
+</p:sld>
+</file>
+
+<file path=ppt/slides/slide20.xml><?xml version="1.0" encoding="utf-8"?>
+<p:sld xmlns:a="http://schemas.openxmlformats.org/drawingml/2006/main" xmlns:r="http://schemas.openxmlformats.org/officeDocument/2006/relationships" xmlns:p="http://schemas.openxmlformats.org/presentationml/2006/main">
+  <p:cSld>
+    <p:spTree>
+      <p:nvGrpSpPr>
+        <p:cNvPr id="1" name=""/>
+        <p:cNvGrpSpPr/>
+        <p:nvPr/>
+      </p:nvGrpSpPr>
+      <p:grpSpPr>
+        <a:xfrm>
+          <a:off x="0" y="0"/>
+          <a:ext cx="0" cy="0"/>
+          <a:chOff x="0" y="0"/>
+          <a:chExt cx="0" cy="0"/>
+        </a:xfrm>
+      </p:grpSpPr>
+      <p:sp>
+        <p:nvSpPr>
+          <p:cNvPr id="2" name="Title 1">
+            <a:extLst>
+              <a:ext uri="{FF2B5EF4-FFF2-40B4-BE49-F238E27FC236}">
+                <a16:creationId xmlns:a16="http://schemas.microsoft.com/office/drawing/2014/main" id="{3FEDE097-6644-1241-8AC8-17323864FD55}"/>
+              </a:ext>
+            </a:extLst>
+          </p:cNvPr>
+          <p:cNvSpPr>
+            <a:spLocks noGrp="1"/>
+          </p:cNvSpPr>
+          <p:nvPr>
+            <p:ph type="title"/>
+          </p:nvPr>
+        </p:nvSpPr>
+        <p:spPr/>
+        <p:txBody>
+          <a:bodyPr/>
+          <a:lstStyle/>
+          <a:p>
+            <a:endParaRPr lang="en-US"/>
+          </a:p>
+        </p:txBody>
+      </p:sp>
+      <p:sp>
+        <p:nvSpPr>
+          <p:cNvPr id="3" name="Content Placeholder 2">
+            <a:extLst>
+              <a:ext uri="{FF2B5EF4-FFF2-40B4-BE49-F238E27FC236}">
+                <a16:creationId xmlns:a16="http://schemas.microsoft.com/office/drawing/2014/main" id="{6C8AA55B-624C-6244-BC30-D21192640CC4}"/>
+              </a:ext>
+            </a:extLst>
+          </p:cNvPr>
+          <p:cNvSpPr>
+            <a:spLocks noGrp="1"/>
+          </p:cNvSpPr>
+          <p:nvPr>
+            <p:ph idx="1"/>
+          </p:nvPr>
+        </p:nvSpPr>
+        <p:spPr/>
+        <p:txBody>
+          <a:bodyPr/>
+          <a:lstStyle/>
+          <a:p>
+            <a:endParaRPr lang="en-US"/>
+          </a:p>
+        </p:txBody>
+      </p:sp>
+    </p:spTree>
+    <p:extLst>
+      <p:ext uri="{BB962C8B-B14F-4D97-AF65-F5344CB8AC3E}">
+        <p14:creationId xmlns:p14="http://schemas.microsoft.com/office/powerpoint/2010/main" val="1296004140"/>
+      </p:ext>
+    </p:extLst>
+  </p:cSld>
+  <p:clrMapOvr>
+    <a:masterClrMapping/>
+  </p:clrMapOvr>
+</p:sld>
+</file>
+
+<file path=ppt/slides/slide21.xml><?xml version="1.0" encoding="utf-8"?>
+<p:sld xmlns:a="http://schemas.openxmlformats.org/drawingml/2006/main" xmlns:r="http://schemas.openxmlformats.org/officeDocument/2006/relationships" xmlns:p="http://schemas.openxmlformats.org/presentationml/2006/main">
+  <p:cSld>
+    <p:spTree>
+      <p:nvGrpSpPr>
+        <p:cNvPr id="1" name=""/>
+        <p:cNvGrpSpPr/>
+        <p:nvPr/>
+      </p:nvGrpSpPr>
+      <p:grpSpPr>
+        <a:xfrm>
+          <a:off x="0" y="0"/>
+          <a:ext cx="0" cy="0"/>
+          <a:chOff x="0" y="0"/>
+          <a:chExt cx="0" cy="0"/>
+        </a:xfrm>
+      </p:grpSpPr>
+      <p:grpSp>
+        <p:nvGrpSpPr>
+          <p:cNvPr id="16" name="Group 15">
+            <a:extLst>
+              <a:ext uri="{FF2B5EF4-FFF2-40B4-BE49-F238E27FC236}">
+                <a16:creationId xmlns:a16="http://schemas.microsoft.com/office/drawing/2014/main" id="{DDD196BC-B706-8146-A5F9-6699D3F89146}"/>
+              </a:ext>
+            </a:extLst>
+          </p:cNvPr>
+          <p:cNvGrpSpPr/>
+          <p:nvPr/>
+        </p:nvGrpSpPr>
+        <p:grpSpPr>
+          <a:xfrm>
+            <a:off x="231414" y="408791"/>
+            <a:ext cx="3297822" cy="2161915"/>
+            <a:chOff x="-134358" y="232279"/>
+            <a:chExt cx="5532118" cy="3196721"/>
+          </a:xfrm>
+        </p:grpSpPr>
+        <p:sp>
+          <p:nvSpPr>
+            <p:cNvPr id="5" name="Rounded Rectangle 4">
+              <a:extLst>
+                <a:ext uri="{FF2B5EF4-FFF2-40B4-BE49-F238E27FC236}">
+                  <a16:creationId xmlns:a16="http://schemas.microsoft.com/office/drawing/2014/main" id="{921133CB-CA03-434C-8142-60F96D1FED00}"/>
+                </a:ext>
+              </a:extLst>
+            </p:cNvPr>
+            <p:cNvSpPr/>
+            <p:nvPr/>
+          </p:nvSpPr>
+          <p:spPr>
+            <a:xfrm>
+              <a:off x="1945900" y="232279"/>
+              <a:ext cx="1154430" cy="537210"/>
+            </a:xfrm>
+            <a:prstGeom prst="roundRect">
+              <a:avLst/>
+            </a:prstGeom>
+          </p:spPr>
+          <p:style>
+            <a:lnRef idx="1">
+              <a:schemeClr val="accent6"/>
+            </a:lnRef>
+            <a:fillRef idx="2">
+              <a:schemeClr val="accent6"/>
+            </a:fillRef>
+            <a:effectRef idx="1">
+              <a:schemeClr val="accent6"/>
+            </a:effectRef>
+            <a:fontRef idx="minor">
+              <a:schemeClr val="dk1"/>
+            </a:fontRef>
+          </p:style>
+          <p:txBody>
+            <a:bodyPr rtlCol="0" anchor="ctr"/>
+            <a:lstStyle/>
+            <a:p>
+              <a:pPr algn="ctr"/>
+              <a:r>
+                <a:rPr lang="en-US" sz="1100" dirty="0"/>
+                <a:t>GEM</a:t>
+              </a:r>
+            </a:p>
+          </p:txBody>
+        </p:sp>
+        <p:sp>
+          <p:nvSpPr>
+            <p:cNvPr id="6" name="Rounded Rectangle 5">
+              <a:extLst>
+                <a:ext uri="{FF2B5EF4-FFF2-40B4-BE49-F238E27FC236}">
+                  <a16:creationId xmlns:a16="http://schemas.microsoft.com/office/drawing/2014/main" id="{5F9F6E3F-A3AA-374B-A373-A3333EA3BB1C}"/>
+                </a:ext>
+              </a:extLst>
+            </p:cNvPr>
+            <p:cNvSpPr/>
+            <p:nvPr/>
+          </p:nvSpPr>
+          <p:spPr>
+            <a:xfrm>
+              <a:off x="1945900" y="1424809"/>
+              <a:ext cx="1154430" cy="537210"/>
+            </a:xfrm>
+            <a:prstGeom prst="roundRect">
+              <a:avLst/>
+            </a:prstGeom>
+          </p:spPr>
+          <p:style>
+            <a:lnRef idx="1">
+              <a:schemeClr val="accent6"/>
+            </a:lnRef>
+            <a:fillRef idx="2">
+              <a:schemeClr val="accent6"/>
+            </a:fillRef>
+            <a:effectRef idx="1">
+              <a:schemeClr val="accent6"/>
+            </a:effectRef>
+            <a:fontRef idx="minor">
+              <a:schemeClr val="dk1"/>
+            </a:fontRef>
+          </p:style>
+          <p:txBody>
+            <a:bodyPr rtlCol="0" anchor="ctr"/>
+            <a:lstStyle/>
+            <a:p>
+              <a:pPr algn="ctr"/>
+              <a:r>
+                <a:rPr lang="en-US" sz="1100" dirty="0" err="1"/>
+                <a:t>ecGEM</a:t>
+              </a:r>
+              <a:endParaRPr lang="en-US" sz="1100" dirty="0"/>
+            </a:p>
+          </p:txBody>
+        </p:sp>
+        <p:sp>
+          <p:nvSpPr>
+            <p:cNvPr id="7" name="Graphic 6" descr="Cloud">
+              <a:extLst>
+                <a:ext uri="{FF2B5EF4-FFF2-40B4-BE49-F238E27FC236}">
+                  <a16:creationId xmlns:a16="http://schemas.microsoft.com/office/drawing/2014/main" id="{89125D6D-B6FA-314D-8E40-5DF248A3025B}"/>
+                </a:ext>
+              </a:extLst>
+            </p:cNvPr>
+            <p:cNvSpPr/>
+            <p:nvPr/>
+          </p:nvSpPr>
+          <p:spPr>
+            <a:xfrm>
+              <a:off x="-134358" y="1792748"/>
+              <a:ext cx="1689734" cy="885552"/>
+            </a:xfrm>
+            <a:custGeom>
+              <a:avLst/>
+              <a:gdLst>
+                <a:gd name="connsiteX0" fmla="*/ 1335766 w 1555376"/>
+                <a:gd name="connsiteY0" fmla="*/ 440794 h 885551"/>
+                <a:gd name="connsiteX1" fmla="*/ 1317311 w 1555376"/>
+                <a:gd name="connsiteY1" fmla="*/ 440794 h 885551"/>
+                <a:gd name="connsiteX2" fmla="*/ 1317311 w 1555376"/>
+                <a:gd name="connsiteY2" fmla="*/ 440794 h 885551"/>
+                <a:gd name="connsiteX3" fmla="*/ 1201047 w 1555376"/>
+                <a:gd name="connsiteY3" fmla="*/ 215647 h 885551"/>
+                <a:gd name="connsiteX4" fmla="*/ 948217 w 1555376"/>
+                <a:gd name="connsiteY4" fmla="*/ 180583 h 885551"/>
+                <a:gd name="connsiteX5" fmla="*/ 575433 w 1555376"/>
+                <a:gd name="connsiteY5" fmla="*/ 8954 h 885551"/>
+                <a:gd name="connsiteX6" fmla="*/ 320758 w 1555376"/>
+                <a:gd name="connsiteY6" fmla="*/ 330066 h 885551"/>
+                <a:gd name="connsiteX7" fmla="*/ 320758 w 1555376"/>
+                <a:gd name="connsiteY7" fmla="*/ 333757 h 885551"/>
+                <a:gd name="connsiteX8" fmla="*/ 55010 w 1555376"/>
+                <a:gd name="connsiteY8" fmla="*/ 440794 h 885551"/>
+                <a:gd name="connsiteX9" fmla="*/ 25483 w 1555376"/>
+                <a:gd name="connsiteY9" fmla="*/ 724996 h 885551"/>
+                <a:gd name="connsiteX10" fmla="*/ 263548 w 1555376"/>
+                <a:gd name="connsiteY10" fmla="*/ 883706 h 885551"/>
+                <a:gd name="connsiteX11" fmla="*/ 263548 w 1555376"/>
+                <a:gd name="connsiteY11" fmla="*/ 885552 h 885551"/>
+                <a:gd name="connsiteX12" fmla="*/ 1333920 w 1555376"/>
+                <a:gd name="connsiteY12" fmla="*/ 885552 h 885551"/>
+                <a:gd name="connsiteX13" fmla="*/ 1555377 w 1555376"/>
+                <a:gd name="connsiteY13" fmla="*/ 664096 h 885551"/>
+                <a:gd name="connsiteX14" fmla="*/ 1335766 w 1555376"/>
+                <a:gd name="connsiteY14" fmla="*/ 440794 h 885551"/>
+              </a:gdLst>
+              <a:ahLst/>
+              <a:cxnLst>
+                <a:cxn ang="0">
+                  <a:pos x="connsiteX0" y="connsiteY0"/>
+                </a:cxn>
+                <a:cxn ang="0">
+                  <a:pos x="connsiteX1" y="connsiteY1"/>
+                </a:cxn>
+                <a:cxn ang="0">
+                  <a:pos x="connsiteX2" y="connsiteY2"/>
+                </a:cxn>
+                <a:cxn ang="0">
+                  <a:pos x="connsiteX3" y="connsiteY3"/>
+                </a:cxn>
+                <a:cxn ang="0">
+                  <a:pos x="connsiteX4" y="connsiteY4"/>
+                </a:cxn>
+                <a:cxn ang="0">
+                  <a:pos x="connsiteX5" y="connsiteY5"/>
+                </a:cxn>
+                <a:cxn ang="0">
+                  <a:pos x="connsiteX6" y="connsiteY6"/>
+                </a:cxn>
+                <a:cxn ang="0">
+                  <a:pos x="connsiteX7" y="connsiteY7"/>
+                </a:cxn>
+                <a:cxn ang="0">
+                  <a:pos x="connsiteX8" y="connsiteY8"/>
+                </a:cxn>
+                <a:cxn ang="0">
+                  <a:pos x="connsiteX9" y="connsiteY9"/>
+                </a:cxn>
+                <a:cxn ang="0">
+                  <a:pos x="connsiteX10" y="connsiteY10"/>
+                </a:cxn>
+                <a:cxn ang="0">
+                  <a:pos x="connsiteX11" y="connsiteY11"/>
+                </a:cxn>
+                <a:cxn ang="0">
+                  <a:pos x="connsiteX12" y="connsiteY12"/>
+                </a:cxn>
+                <a:cxn ang="0">
+                  <a:pos x="connsiteX13" y="connsiteY13"/>
+                </a:cxn>
+                <a:cxn ang="0">
+                  <a:pos x="connsiteX14" y="connsiteY14"/>
+                </a:cxn>
+              </a:cxnLst>
+              <a:rect l="l" t="t" r="r" b="b"/>
+              <a:pathLst>
+                <a:path w="1555376" h="885551">
+                  <a:moveTo>
+                    <a:pt x="1335766" y="440794"/>
+                  </a:moveTo>
+                  <a:cubicBezTo>
+                    <a:pt x="1330229" y="440794"/>
+                    <a:pt x="1322848" y="440794"/>
+                    <a:pt x="1317311" y="440794"/>
+                  </a:cubicBezTo>
+                  <a:cubicBezTo>
+                    <a:pt x="1317311" y="440794"/>
+                    <a:pt x="1317311" y="440794"/>
+                    <a:pt x="1317311" y="440794"/>
+                  </a:cubicBezTo>
+                  <a:cubicBezTo>
+                    <a:pt x="1317311" y="350366"/>
+                    <a:pt x="1273020" y="267320"/>
+                    <a:pt x="1201047" y="215647"/>
+                  </a:cubicBezTo>
+                  <a:cubicBezTo>
+                    <a:pt x="1127228" y="163974"/>
+                    <a:pt x="1033109" y="151055"/>
+                    <a:pt x="948217" y="180583"/>
+                  </a:cubicBezTo>
+                  <a:cubicBezTo>
+                    <a:pt x="878090" y="44018"/>
+                    <a:pt x="723070" y="-26110"/>
+                    <a:pt x="575433" y="8954"/>
+                  </a:cubicBezTo>
+                  <a:cubicBezTo>
+                    <a:pt x="427795" y="44018"/>
+                    <a:pt x="320758" y="176892"/>
+                    <a:pt x="320758" y="330066"/>
+                  </a:cubicBezTo>
+                  <a:cubicBezTo>
+                    <a:pt x="320758" y="330066"/>
+                    <a:pt x="320758" y="331911"/>
+                    <a:pt x="320758" y="333757"/>
+                  </a:cubicBezTo>
+                  <a:cubicBezTo>
+                    <a:pt x="219257" y="317148"/>
+                    <a:pt x="117756" y="359593"/>
+                    <a:pt x="55010" y="440794"/>
+                  </a:cubicBezTo>
+                  <a:cubicBezTo>
+                    <a:pt x="-5890" y="523840"/>
+                    <a:pt x="-16963" y="632723"/>
+                    <a:pt x="25483" y="724996"/>
+                  </a:cubicBezTo>
+                  <a:cubicBezTo>
+                    <a:pt x="69774" y="817270"/>
+                    <a:pt x="162048" y="878170"/>
+                    <a:pt x="263548" y="883706"/>
+                  </a:cubicBezTo>
+                  <a:lnTo>
+                    <a:pt x="263548" y="885552"/>
+                  </a:lnTo>
+                  <a:lnTo>
+                    <a:pt x="1333920" y="885552"/>
+                  </a:lnTo>
+                  <a:cubicBezTo>
+                    <a:pt x="1455721" y="885552"/>
+                    <a:pt x="1555377" y="785897"/>
+                    <a:pt x="1555377" y="664096"/>
+                  </a:cubicBezTo>
+                  <a:cubicBezTo>
+                    <a:pt x="1555377" y="542295"/>
+                    <a:pt x="1457567" y="440794"/>
+                    <a:pt x="1335766" y="440794"/>
+                  </a:cubicBezTo>
+                  <a:close/>
+                </a:path>
+              </a:pathLst>
+            </a:custGeom>
+            <a:solidFill>
+              <a:schemeClr val="accent2">
+                <a:lumMod val="40000"/>
+                <a:lumOff val="60000"/>
+              </a:schemeClr>
+            </a:solidFill>
+            <a:ln w="18455" cap="flat">
+              <a:noFill/>
+              <a:prstDash val="solid"/>
+              <a:miter/>
+            </a:ln>
+          </p:spPr>
+          <p:txBody>
+            <a:bodyPr rtlCol="0" anchor="ctr"/>
+            <a:lstStyle/>
+            <a:p>
+              <a:pPr algn="ctr"/>
+              <a:r>
+                <a:rPr lang="en-US" sz="1100" dirty="0"/>
+                <a:t>   </a:t>
+              </a:r>
+            </a:p>
+            <a:p>
+              <a:pPr algn="ctr"/>
+              <a:r>
+                <a:rPr lang="en-US" sz="1100" dirty="0"/>
+                <a:t>Phenome</a:t>
+              </a:r>
+            </a:p>
+            <a:p>
+              <a:pPr algn="ctr"/>
+              <a:r>
+                <a:rPr lang="en-US" sz="1100" dirty="0"/>
+                <a:t>Proteomics</a:t>
+              </a:r>
+            </a:p>
+          </p:txBody>
+        </p:sp>
+        <p:sp>
+          <p:nvSpPr>
+            <p:cNvPr id="8" name="Rounded Rectangle 7">
+              <a:extLst>
+                <a:ext uri="{FF2B5EF4-FFF2-40B4-BE49-F238E27FC236}">
+                  <a16:creationId xmlns:a16="http://schemas.microsoft.com/office/drawing/2014/main" id="{D391C0DE-2FB3-3B44-9A1B-CE7F92BA764B}"/>
+                </a:ext>
+              </a:extLst>
+            </p:cNvPr>
+            <p:cNvSpPr/>
+            <p:nvPr/>
+          </p:nvSpPr>
+          <p:spPr>
+            <a:xfrm>
+              <a:off x="1397260" y="2891790"/>
+              <a:ext cx="2251710" cy="537210"/>
+            </a:xfrm>
+            <a:prstGeom prst="roundRect">
+              <a:avLst/>
+            </a:prstGeom>
+          </p:spPr>
+          <p:style>
+            <a:lnRef idx="2">
+              <a:schemeClr val="accent3">
+                <a:shade val="50000"/>
+              </a:schemeClr>
+            </a:lnRef>
+            <a:fillRef idx="1">
+              <a:schemeClr val="accent3"/>
+            </a:fillRef>
+            <a:effectRef idx="0">
+              <a:schemeClr val="accent3"/>
+            </a:effectRef>
+            <a:fontRef idx="minor">
+              <a:schemeClr val="lt1"/>
+            </a:fontRef>
+          </p:style>
+          <p:txBody>
+            <a:bodyPr rtlCol="0" anchor="ctr"/>
+            <a:lstStyle/>
+            <a:p>
+              <a:pPr algn="ctr"/>
+              <a:r>
+                <a:rPr lang="en-US" sz="1100" dirty="0"/>
+                <a:t>Calibrate: </a:t>
+              </a:r>
+              <a:r>
+                <a:rPr lang="en-US" sz="1100" i="1" dirty="0" err="1"/>
+                <a:t>k</a:t>
+              </a:r>
+              <a:r>
+                <a:rPr lang="en-US" sz="1100" baseline="-25000" dirty="0" err="1"/>
+                <a:t>cat</a:t>
+              </a:r>
+              <a:r>
+                <a:rPr lang="en-US" sz="1100" dirty="0"/>
+                <a:t> </a:t>
+              </a:r>
+              <a:r>
+                <a:rPr lang="en-US" altLang="zh-CN" sz="1100" dirty="0"/>
+                <a:t>Bayesian</a:t>
+              </a:r>
+              <a:r>
+                <a:rPr lang="zh-CN" altLang="en-US" sz="1100" dirty="0"/>
+                <a:t> </a:t>
+              </a:r>
+              <a:r>
+                <a:rPr lang="en-US" altLang="zh-CN" sz="1100" dirty="0"/>
+                <a:t>Approach</a:t>
+              </a:r>
+              <a:endParaRPr lang="en-US" sz="1100" dirty="0"/>
+            </a:p>
+          </p:txBody>
+        </p:sp>
+        <p:cxnSp>
+          <p:nvCxnSpPr>
+            <p:cNvPr id="9" name="Straight Arrow Connector 8">
+              <a:extLst>
+                <a:ext uri="{FF2B5EF4-FFF2-40B4-BE49-F238E27FC236}">
+                  <a16:creationId xmlns:a16="http://schemas.microsoft.com/office/drawing/2014/main" id="{B581527A-ED18-0F4A-A745-958BA7FBEA03}"/>
+                </a:ext>
+              </a:extLst>
+            </p:cNvPr>
+            <p:cNvCxnSpPr/>
+            <p:nvPr/>
+          </p:nvCxnSpPr>
+          <p:spPr>
+            <a:xfrm>
+              <a:off x="2357380" y="2051959"/>
+              <a:ext cx="0" cy="763500"/>
+            </a:xfrm>
+            <a:prstGeom prst="straightConnector1">
+              <a:avLst/>
+            </a:prstGeom>
+            <a:ln>
+              <a:tailEnd type="triangle"/>
+            </a:ln>
+          </p:spPr>
+          <p:style>
+            <a:lnRef idx="2">
+              <a:schemeClr val="accent1"/>
+            </a:lnRef>
+            <a:fillRef idx="0">
+              <a:schemeClr val="accent1"/>
+            </a:fillRef>
+            <a:effectRef idx="1">
+              <a:schemeClr val="accent1"/>
+            </a:effectRef>
+            <a:fontRef idx="minor">
+              <a:schemeClr val="tx1"/>
+            </a:fontRef>
+          </p:style>
+        </p:cxnSp>
+        <p:cxnSp>
+          <p:nvCxnSpPr>
+            <p:cNvPr id="10" name="Straight Arrow Connector 9">
+              <a:extLst>
+                <a:ext uri="{FF2B5EF4-FFF2-40B4-BE49-F238E27FC236}">
+                  <a16:creationId xmlns:a16="http://schemas.microsoft.com/office/drawing/2014/main" id="{F33D3F4A-4901-CD4D-8E23-C5521E7BE2A3}"/>
+                </a:ext>
+              </a:extLst>
+            </p:cNvPr>
+            <p:cNvCxnSpPr>
+              <a:cxnSpLocks/>
+            </p:cNvCxnSpPr>
+            <p:nvPr/>
+          </p:nvCxnSpPr>
+          <p:spPr>
+            <a:xfrm flipV="1">
+              <a:off x="2658370" y="2039541"/>
+              <a:ext cx="0" cy="763500"/>
+            </a:xfrm>
+            <a:prstGeom prst="straightConnector1">
+              <a:avLst/>
+            </a:prstGeom>
+            <a:ln>
+              <a:tailEnd type="triangle"/>
+            </a:ln>
+          </p:spPr>
+          <p:style>
+            <a:lnRef idx="2">
+              <a:schemeClr val="accent1"/>
+            </a:lnRef>
+            <a:fillRef idx="0">
+              <a:schemeClr val="accent1"/>
+            </a:fillRef>
+            <a:effectRef idx="1">
+              <a:schemeClr val="accent1"/>
+            </a:effectRef>
+            <a:fontRef idx="minor">
+              <a:schemeClr val="tx1"/>
+            </a:fontRef>
+          </p:style>
+        </p:cxnSp>
+        <p:cxnSp>
+          <p:nvCxnSpPr>
+            <p:cNvPr id="11" name="Straight Arrow Connector 10">
+              <a:extLst>
+                <a:ext uri="{FF2B5EF4-FFF2-40B4-BE49-F238E27FC236}">
+                  <a16:creationId xmlns:a16="http://schemas.microsoft.com/office/drawing/2014/main" id="{6523DE5A-3980-ED4A-AF7E-6757120BE6CC}"/>
+                </a:ext>
+              </a:extLst>
+            </p:cNvPr>
+            <p:cNvCxnSpPr/>
+            <p:nvPr/>
+          </p:nvCxnSpPr>
+          <p:spPr>
+            <a:xfrm>
+              <a:off x="1705870" y="2433709"/>
+              <a:ext cx="651510" cy="0"/>
+            </a:xfrm>
+            <a:prstGeom prst="straightConnector1">
+              <a:avLst/>
+            </a:prstGeom>
+            <a:ln>
+              <a:tailEnd type="triangle"/>
+            </a:ln>
+          </p:spPr>
+          <p:style>
+            <a:lnRef idx="2">
+              <a:schemeClr val="accent1"/>
+            </a:lnRef>
+            <a:fillRef idx="0">
+              <a:schemeClr val="accent1"/>
+            </a:fillRef>
+            <a:effectRef idx="1">
+              <a:schemeClr val="accent1"/>
+            </a:effectRef>
+            <a:fontRef idx="minor">
+              <a:schemeClr val="tx1"/>
+            </a:fontRef>
+          </p:style>
+        </p:cxnSp>
+        <p:cxnSp>
+          <p:nvCxnSpPr>
+            <p:cNvPr id="12" name="Straight Arrow Connector 11">
+              <a:extLst>
+                <a:ext uri="{FF2B5EF4-FFF2-40B4-BE49-F238E27FC236}">
+                  <a16:creationId xmlns:a16="http://schemas.microsoft.com/office/drawing/2014/main" id="{70539F8B-C4B5-2F4E-A26D-0EAD8683A62F}"/>
+                </a:ext>
+              </a:extLst>
+            </p:cNvPr>
+            <p:cNvCxnSpPr/>
+            <p:nvPr/>
+          </p:nvCxnSpPr>
+          <p:spPr>
+            <a:xfrm>
+              <a:off x="3207010" y="1681234"/>
+              <a:ext cx="651510" cy="0"/>
+            </a:xfrm>
+            <a:prstGeom prst="straightConnector1">
+              <a:avLst/>
+            </a:prstGeom>
+            <a:ln>
+              <a:tailEnd type="triangle"/>
+            </a:ln>
+          </p:spPr>
+          <p:style>
+            <a:lnRef idx="2">
+              <a:schemeClr val="accent1"/>
+            </a:lnRef>
+            <a:fillRef idx="0">
+              <a:schemeClr val="accent1"/>
+            </a:fillRef>
+            <a:effectRef idx="1">
+              <a:schemeClr val="accent1"/>
+            </a:effectRef>
+            <a:fontRef idx="minor">
+              <a:schemeClr val="tx1"/>
+            </a:fontRef>
+          </p:style>
+        </p:cxnSp>
+        <p:sp>
+          <p:nvSpPr>
+            <p:cNvPr id="13" name="Rounded Rectangle 12">
+              <a:extLst>
+                <a:ext uri="{FF2B5EF4-FFF2-40B4-BE49-F238E27FC236}">
+                  <a16:creationId xmlns:a16="http://schemas.microsoft.com/office/drawing/2014/main" id="{7ABD45E3-E75D-5C41-B415-AA0BE7F43425}"/>
+                </a:ext>
+              </a:extLst>
+            </p:cNvPr>
+            <p:cNvSpPr/>
+            <p:nvPr/>
+          </p:nvSpPr>
+          <p:spPr>
+            <a:xfrm>
+              <a:off x="3965200" y="1426714"/>
+              <a:ext cx="1432560" cy="537210"/>
+            </a:xfrm>
+            <a:prstGeom prst="roundRect">
+              <a:avLst/>
+            </a:prstGeom>
+          </p:spPr>
+          <p:style>
+            <a:lnRef idx="1">
+              <a:schemeClr val="accent1"/>
+            </a:lnRef>
+            <a:fillRef idx="2">
+              <a:schemeClr val="accent1"/>
+            </a:fillRef>
+            <a:effectRef idx="1">
+              <a:schemeClr val="accent1"/>
+            </a:effectRef>
+            <a:fontRef idx="minor">
+              <a:schemeClr val="dk1"/>
+            </a:fontRef>
+          </p:style>
+          <p:txBody>
+            <a:bodyPr rtlCol="0" anchor="ctr"/>
+            <a:lstStyle/>
+            <a:p>
+              <a:pPr algn="ctr"/>
+              <a:r>
+                <a:rPr lang="en-US" sz="1100" dirty="0"/>
+                <a:t>Calibrated</a:t>
+              </a:r>
+            </a:p>
+            <a:p>
+              <a:pPr algn="ctr"/>
+              <a:r>
+                <a:rPr lang="en-US" sz="1100" dirty="0" err="1"/>
+                <a:t>ecGEM</a:t>
+              </a:r>
+              <a:endParaRPr lang="en-US" sz="1100" dirty="0"/>
+            </a:p>
+          </p:txBody>
+        </p:sp>
+        <p:cxnSp>
+          <p:nvCxnSpPr>
+            <p:cNvPr id="15" name="Straight Arrow Connector 14">
+              <a:extLst>
+                <a:ext uri="{FF2B5EF4-FFF2-40B4-BE49-F238E27FC236}">
+                  <a16:creationId xmlns:a16="http://schemas.microsoft.com/office/drawing/2014/main" id="{A2AFAC8F-21D5-8046-AC5C-EDDD73B3BFFF}"/>
+                </a:ext>
+              </a:extLst>
+            </p:cNvPr>
+            <p:cNvCxnSpPr/>
+            <p:nvPr/>
+          </p:nvCxnSpPr>
+          <p:spPr>
+            <a:xfrm>
+              <a:off x="2517400" y="909209"/>
+              <a:ext cx="0" cy="422910"/>
+            </a:xfrm>
+            <a:prstGeom prst="straightConnector1">
+              <a:avLst/>
+            </a:prstGeom>
+            <a:ln>
+              <a:tailEnd type="triangle"/>
+            </a:ln>
+          </p:spPr>
+          <p:style>
+            <a:lnRef idx="2">
+              <a:schemeClr val="accent1"/>
+            </a:lnRef>
+            <a:fillRef idx="0">
+              <a:schemeClr val="accent1"/>
+            </a:fillRef>
+            <a:effectRef idx="1">
+              <a:schemeClr val="accent1"/>
+            </a:effectRef>
+            <a:fontRef idx="minor">
+              <a:schemeClr val="tx1"/>
+            </a:fontRef>
+          </p:style>
+        </p:cxnSp>
+      </p:grpSp>
+      <p:pic>
+        <p:nvPicPr>
+          <p:cNvPr id="87" name="Picture 86">
+            <a:extLst>
+              <a:ext uri="{FF2B5EF4-FFF2-40B4-BE49-F238E27FC236}">
+                <a16:creationId xmlns:a16="http://schemas.microsoft.com/office/drawing/2014/main" id="{E0F7C27F-B1FB-8B4B-A220-DB7FAB32FEE6}"/>
+              </a:ext>
+            </a:extLst>
+          </p:cNvPr>
+          <p:cNvPicPr>
+            <a:picLocks noChangeAspect="1"/>
+          </p:cNvPicPr>
+          <p:nvPr/>
+        </p:nvPicPr>
+        <p:blipFill>
+          <a:blip r:embed="rId2"/>
+          <a:stretch>
+            <a:fillRect/>
+          </a:stretch>
+        </p:blipFill>
+        <p:spPr>
+          <a:xfrm>
+            <a:off x="3561033" y="435600"/>
+            <a:ext cx="2743200" cy="2286000"/>
+          </a:xfrm>
+          <a:prstGeom prst="rect">
+            <a:avLst/>
+          </a:prstGeom>
+        </p:spPr>
+      </p:pic>
+      <p:pic>
+        <p:nvPicPr>
+          <p:cNvPr id="89" name="Picture 88">
+            <a:extLst>
+              <a:ext uri="{FF2B5EF4-FFF2-40B4-BE49-F238E27FC236}">
+                <a16:creationId xmlns:a16="http://schemas.microsoft.com/office/drawing/2014/main" id="{CB257F50-0F59-F945-A128-016535FE3B18}"/>
+              </a:ext>
+            </a:extLst>
+          </p:cNvPr>
+          <p:cNvPicPr>
+            <a:picLocks noChangeAspect="1"/>
+          </p:cNvPicPr>
+          <p:nvPr/>
+        </p:nvPicPr>
+        <p:blipFill>
+          <a:blip r:embed="rId3"/>
+          <a:stretch>
+            <a:fillRect/>
+          </a:stretch>
+        </p:blipFill>
+        <p:spPr>
+          <a:xfrm>
+            <a:off x="309833" y="2691809"/>
+            <a:ext cx="5994400" cy="3187700"/>
+          </a:xfrm>
+          <a:prstGeom prst="rect">
+            <a:avLst/>
+          </a:prstGeom>
+        </p:spPr>
+      </p:pic>
+      <p:sp>
+        <p:nvSpPr>
+          <p:cNvPr id="90" name="TextBox 89">
+            <a:extLst>
+              <a:ext uri="{FF2B5EF4-FFF2-40B4-BE49-F238E27FC236}">
+                <a16:creationId xmlns:a16="http://schemas.microsoft.com/office/drawing/2014/main" id="{090F9770-9E7C-0F43-B0D8-DC6917426965}"/>
+              </a:ext>
+            </a:extLst>
+          </p:cNvPr>
+          <p:cNvSpPr txBox="1"/>
+          <p:nvPr/>
+        </p:nvSpPr>
+        <p:spPr>
+          <a:xfrm>
+            <a:off x="150607" y="258184"/>
+            <a:ext cx="300082" cy="369332"/>
+          </a:xfrm>
+          <a:prstGeom prst="rect">
+            <a:avLst/>
+          </a:prstGeom>
+          <a:noFill/>
+        </p:spPr>
+        <p:txBody>
+          <a:bodyPr wrap="none" rtlCol="0">
+            <a:spAutoFit/>
+          </a:bodyPr>
+          <a:lstStyle/>
+          <a:p>
+            <a:r>
+              <a:rPr lang="en-US" b="1" dirty="0"/>
+              <a:t>a</a:t>
+            </a:r>
+          </a:p>
+        </p:txBody>
+      </p:sp>
+      <p:sp>
+        <p:nvSpPr>
+          <p:cNvPr id="91" name="TextBox 90">
+            <a:extLst>
+              <a:ext uri="{FF2B5EF4-FFF2-40B4-BE49-F238E27FC236}">
+                <a16:creationId xmlns:a16="http://schemas.microsoft.com/office/drawing/2014/main" id="{6429DC48-B641-FB47-AA58-5CA5783E20C5}"/>
+              </a:ext>
+            </a:extLst>
+          </p:cNvPr>
+          <p:cNvSpPr txBox="1"/>
+          <p:nvPr/>
+        </p:nvSpPr>
+        <p:spPr>
+          <a:xfrm>
+            <a:off x="3561033" y="258184"/>
+            <a:ext cx="312906" cy="369332"/>
+          </a:xfrm>
+          <a:prstGeom prst="rect">
+            <a:avLst/>
+          </a:prstGeom>
+          <a:noFill/>
+        </p:spPr>
+        <p:txBody>
+          <a:bodyPr wrap="none" rtlCol="0">
+            <a:spAutoFit/>
+          </a:bodyPr>
+          <a:lstStyle/>
+          <a:p>
+            <a:r>
+              <a:rPr lang="en-US" b="1" dirty="0"/>
+              <a:t>b</a:t>
+            </a:r>
+          </a:p>
+        </p:txBody>
+      </p:sp>
+      <p:sp>
+        <p:nvSpPr>
+          <p:cNvPr id="92" name="TextBox 91">
+            <a:extLst>
+              <a:ext uri="{FF2B5EF4-FFF2-40B4-BE49-F238E27FC236}">
+                <a16:creationId xmlns:a16="http://schemas.microsoft.com/office/drawing/2014/main" id="{5A8F5E67-354E-DC4F-8023-755A106B329B}"/>
+              </a:ext>
+            </a:extLst>
+          </p:cNvPr>
+          <p:cNvSpPr txBox="1"/>
+          <p:nvPr/>
+        </p:nvSpPr>
+        <p:spPr>
+          <a:xfrm>
+            <a:off x="150607" y="2426618"/>
+            <a:ext cx="287258" cy="369332"/>
+          </a:xfrm>
+          <a:prstGeom prst="rect">
+            <a:avLst/>
+          </a:prstGeom>
+          <a:noFill/>
+        </p:spPr>
+        <p:txBody>
+          <a:bodyPr wrap="none" rtlCol="0">
+            <a:spAutoFit/>
+          </a:bodyPr>
+          <a:lstStyle/>
+          <a:p>
+            <a:r>
+              <a:rPr lang="en-US" b="1" dirty="0"/>
+              <a:t>c</a:t>
+            </a:r>
+          </a:p>
+        </p:txBody>
+      </p:sp>
+    </p:spTree>
+    <p:extLst>
+      <p:ext uri="{BB962C8B-B14F-4D97-AF65-F5344CB8AC3E}">
+        <p14:creationId xmlns:p14="http://schemas.microsoft.com/office/powerpoint/2010/main" val="599115368"/>
+      </p:ext>
+    </p:extLst>
+  </p:cSld>
+  <p:clrMapOvr>
+    <a:masterClrMapping/>
+  </p:clrMapOvr>
+</p:sld>
+</file>
+
+<file path=ppt/slides/slide22.xml><?xml version="1.0" encoding="utf-8"?>
+<p:sld xmlns:a="http://schemas.openxmlformats.org/drawingml/2006/main" xmlns:r="http://schemas.openxmlformats.org/officeDocument/2006/relationships" xmlns:p="http://schemas.openxmlformats.org/presentationml/2006/main">
+  <p:cSld>
+    <p:spTree>
+      <p:nvGrpSpPr>
+        <p:cNvPr id="1" name=""/>
+        <p:cNvGrpSpPr/>
+        <p:nvPr/>
+      </p:nvGrpSpPr>
+      <p:grpSpPr>
+        <a:xfrm>
+          <a:off x="0" y="0"/>
+          <a:ext cx="0" cy="0"/>
+          <a:chOff x="0" y="0"/>
+          <a:chExt cx="0" cy="0"/>
+        </a:xfrm>
+      </p:grpSpPr>
+      <p:pic>
+        <p:nvPicPr>
+          <p:cNvPr id="5" name="Content Placeholder 4">
+            <a:extLst>
+              <a:ext uri="{FF2B5EF4-FFF2-40B4-BE49-F238E27FC236}">
+                <a16:creationId xmlns:a16="http://schemas.microsoft.com/office/drawing/2014/main" id="{6A55647A-25C0-A243-9895-D7D9101494DC}"/>
+              </a:ext>
+            </a:extLst>
+          </p:cNvPr>
+          <p:cNvPicPr>
+            <a:picLocks noGrp="1" noChangeAspect="1"/>
+          </p:cNvPicPr>
+          <p:nvPr>
+            <p:ph idx="1"/>
+          </p:nvPr>
+        </p:nvPicPr>
+        <p:blipFill>
+          <a:blip r:embed="rId2"/>
+          <a:stretch>
+            <a:fillRect/>
+          </a:stretch>
+        </p:blipFill>
+        <p:spPr>
+          <a:xfrm>
+            <a:off x="586292" y="181375"/>
+            <a:ext cx="2743200" cy="2286000"/>
+          </a:xfrm>
+        </p:spPr>
+      </p:pic>
+      <p:pic>
+        <p:nvPicPr>
+          <p:cNvPr id="7" name="Picture 6">
+            <a:extLst>
+              <a:ext uri="{FF2B5EF4-FFF2-40B4-BE49-F238E27FC236}">
+                <a16:creationId xmlns:a16="http://schemas.microsoft.com/office/drawing/2014/main" id="{31465D9F-C12C-6E48-8700-E1E6BAFAC541}"/>
+              </a:ext>
+            </a:extLst>
+          </p:cNvPr>
+          <p:cNvPicPr>
+            <a:picLocks noChangeAspect="1"/>
+          </p:cNvPicPr>
+          <p:nvPr/>
+        </p:nvPicPr>
+        <p:blipFill>
+          <a:blip r:embed="rId3"/>
+          <a:stretch>
+            <a:fillRect/>
+          </a:stretch>
+        </p:blipFill>
+        <p:spPr>
+          <a:xfrm>
+            <a:off x="4028131" y="181375"/>
+            <a:ext cx="2743200" cy="2286000"/>
+          </a:xfrm>
+          <a:prstGeom prst="rect">
+            <a:avLst/>
+          </a:prstGeom>
+        </p:spPr>
+      </p:pic>
+      <p:pic>
+        <p:nvPicPr>
+          <p:cNvPr id="9" name="Picture 8">
+            <a:extLst>
+              <a:ext uri="{FF2B5EF4-FFF2-40B4-BE49-F238E27FC236}">
+                <a16:creationId xmlns:a16="http://schemas.microsoft.com/office/drawing/2014/main" id="{6D905EDF-23A4-EA48-8D0C-553C193F12CF}"/>
+              </a:ext>
+            </a:extLst>
+          </p:cNvPr>
+          <p:cNvPicPr>
+            <a:picLocks noChangeAspect="1"/>
+          </p:cNvPicPr>
+          <p:nvPr/>
+        </p:nvPicPr>
+        <p:blipFill>
+          <a:blip r:embed="rId4"/>
+          <a:stretch>
+            <a:fillRect/>
+          </a:stretch>
+        </p:blipFill>
+        <p:spPr>
+          <a:xfrm>
+            <a:off x="586292" y="2467375"/>
+            <a:ext cx="2743200" cy="2286000"/>
+          </a:xfrm>
+          <a:prstGeom prst="rect">
+            <a:avLst/>
+          </a:prstGeom>
+        </p:spPr>
+      </p:pic>
+      <p:pic>
+        <p:nvPicPr>
+          <p:cNvPr id="11" name="Picture 10">
+            <a:extLst>
+              <a:ext uri="{FF2B5EF4-FFF2-40B4-BE49-F238E27FC236}">
+                <a16:creationId xmlns:a16="http://schemas.microsoft.com/office/drawing/2014/main" id="{CE6B1719-B7F5-5648-8376-114D09F0E935}"/>
+              </a:ext>
+            </a:extLst>
+          </p:cNvPr>
+          <p:cNvPicPr>
+            <a:picLocks noChangeAspect="1"/>
+          </p:cNvPicPr>
+          <p:nvPr/>
+        </p:nvPicPr>
+        <p:blipFill>
+          <a:blip r:embed="rId5"/>
+          <a:stretch>
+            <a:fillRect/>
+          </a:stretch>
+        </p:blipFill>
+        <p:spPr>
+          <a:xfrm>
+            <a:off x="4017373" y="2467375"/>
+            <a:ext cx="2743200" cy="2286000"/>
+          </a:xfrm>
+          <a:prstGeom prst="rect">
+            <a:avLst/>
+          </a:prstGeom>
+        </p:spPr>
+      </p:pic>
+    </p:spTree>
+    <p:extLst>
+      <p:ext uri="{BB962C8B-B14F-4D97-AF65-F5344CB8AC3E}">
+        <p14:creationId xmlns:p14="http://schemas.microsoft.com/office/powerpoint/2010/main" val="4029846442"/>
+      </p:ext>
+    </p:extLst>
+  </p:cSld>
+  <p:clrMapOvr>
+    <a:masterClrMapping/>
+  </p:clrMapOvr>
+</p:sld>
+</file>
+
+<file path=ppt/slides/slide23.xml><?xml version="1.0" encoding="utf-8"?>
+<p:sld xmlns:a="http://schemas.openxmlformats.org/drawingml/2006/main" xmlns:r="http://schemas.openxmlformats.org/officeDocument/2006/relationships" xmlns:p="http://schemas.openxmlformats.org/presentationml/2006/main">
+  <p:cSld>
+    <p:spTree>
+      <p:nvGrpSpPr>
+        <p:cNvPr id="1" name=""/>
+        <p:cNvGrpSpPr/>
+        <p:nvPr/>
+      </p:nvGrpSpPr>
+      <p:grpSpPr>
+        <a:xfrm>
+          <a:off x="0" y="0"/>
+          <a:ext cx="0" cy="0"/>
+          <a:chOff x="0" y="0"/>
+          <a:chExt cx="0" cy="0"/>
+        </a:xfrm>
+      </p:grpSpPr>
+      <p:sp>
+        <p:nvSpPr>
+          <p:cNvPr id="2" name="Title 1">
+            <a:extLst>
+              <a:ext uri="{FF2B5EF4-FFF2-40B4-BE49-F238E27FC236}">
+                <a16:creationId xmlns:a16="http://schemas.microsoft.com/office/drawing/2014/main" id="{4E175A2B-3A09-BA4C-A5AE-343ADB1B49DF}"/>
+              </a:ext>
+            </a:extLst>
+          </p:cNvPr>
+          <p:cNvSpPr>
+            <a:spLocks noGrp="1"/>
+          </p:cNvSpPr>
+          <p:nvPr>
+            <p:ph type="title"/>
+          </p:nvPr>
+        </p:nvSpPr>
+        <p:spPr/>
+        <p:txBody>
+          <a:bodyPr/>
+          <a:lstStyle/>
+          <a:p>
+            <a:endParaRPr lang="en-US"/>
+          </a:p>
+        </p:txBody>
+      </p:sp>
+      <p:sp>
+        <p:nvSpPr>
+          <p:cNvPr id="3" name="Content Placeholder 2">
+            <a:extLst>
+              <a:ext uri="{FF2B5EF4-FFF2-40B4-BE49-F238E27FC236}">
+                <a16:creationId xmlns:a16="http://schemas.microsoft.com/office/drawing/2014/main" id="{4B422920-D668-3E40-B132-15EE5FE13C41}"/>
+              </a:ext>
+            </a:extLst>
+          </p:cNvPr>
+          <p:cNvSpPr>
+            <a:spLocks noGrp="1"/>
+          </p:cNvSpPr>
+          <p:nvPr>
+            <p:ph idx="1"/>
+          </p:nvPr>
+        </p:nvSpPr>
+        <p:spPr/>
+        <p:txBody>
+          <a:bodyPr/>
+          <a:lstStyle/>
+          <a:p>
+            <a:endParaRPr lang="en-US"/>
+          </a:p>
+        </p:txBody>
+      </p:sp>
+    </p:spTree>
+    <p:extLst>
+      <p:ext uri="{BB962C8B-B14F-4D97-AF65-F5344CB8AC3E}">
+        <p14:creationId xmlns:p14="http://schemas.microsoft.com/office/powerpoint/2010/main" val="3462525662"/>
       </p:ext>
     </p:extLst>
   </p:cSld>
